--- a/SVM/SupportVectorMachines.pptx
+++ b/SVM/SupportVectorMachines.pptx
@@ -16,17 +16,21 @@
     <p:sldId id="261" r:id="rId10"/>
     <p:sldId id="262" r:id="rId11"/>
     <p:sldId id="263" r:id="rId12"/>
-    <p:sldId id="271" r:id="rId13"/>
-    <p:sldId id="272" r:id="rId14"/>
-    <p:sldId id="273" r:id="rId15"/>
-    <p:sldId id="274" r:id="rId16"/>
-    <p:sldId id="275" r:id="rId17"/>
-    <p:sldId id="276" r:id="rId18"/>
-    <p:sldId id="277" r:id="rId19"/>
-    <p:sldId id="265" r:id="rId20"/>
-    <p:sldId id="266" r:id="rId21"/>
-    <p:sldId id="267" r:id="rId22"/>
-    <p:sldId id="264" r:id="rId23"/>
+    <p:sldId id="278" r:id="rId13"/>
+    <p:sldId id="280" r:id="rId14"/>
+    <p:sldId id="281" r:id="rId15"/>
+    <p:sldId id="279" r:id="rId16"/>
+    <p:sldId id="271" r:id="rId17"/>
+    <p:sldId id="272" r:id="rId18"/>
+    <p:sldId id="273" r:id="rId19"/>
+    <p:sldId id="274" r:id="rId20"/>
+    <p:sldId id="275" r:id="rId21"/>
+    <p:sldId id="276" r:id="rId22"/>
+    <p:sldId id="277" r:id="rId23"/>
+    <p:sldId id="265" r:id="rId24"/>
+    <p:sldId id="266" r:id="rId25"/>
+    <p:sldId id="267" r:id="rId26"/>
+    <p:sldId id="264" r:id="rId27"/>
   </p:sldIdLst>
   <p:sldSz cx="12192000" cy="6858000"/>
   <p:notesSz cx="6858000" cy="9144000"/>
@@ -3459,7 +3463,7 @@
           <a:p>
             <a:fld id="{A3D36F48-29AB-4383-B770-6DA66B279A8F}" type="datetimeFigureOut">
               <a:rPr lang="en-US" smtClean="0"/>
-              <a:t>2/13/2018</a:t>
+              <a:t>7/12/2018</a:t>
             </a:fld>
             <a:endParaRPr lang="en-US"/>
           </a:p>
@@ -3657,7 +3661,7 @@
           <a:p>
             <a:fld id="{A3D36F48-29AB-4383-B770-6DA66B279A8F}" type="datetimeFigureOut">
               <a:rPr lang="en-US" smtClean="0"/>
-              <a:t>2/13/2018</a:t>
+              <a:t>7/12/2018</a:t>
             </a:fld>
             <a:endParaRPr lang="en-US"/>
           </a:p>
@@ -3865,7 +3869,7 @@
           <a:p>
             <a:fld id="{A3D36F48-29AB-4383-B770-6DA66B279A8F}" type="datetimeFigureOut">
               <a:rPr lang="en-US" smtClean="0"/>
-              <a:t>2/13/2018</a:t>
+              <a:t>7/12/2018</a:t>
             </a:fld>
             <a:endParaRPr lang="en-US"/>
           </a:p>
@@ -4063,7 +4067,7 @@
           <a:p>
             <a:fld id="{A3D36F48-29AB-4383-B770-6DA66B279A8F}" type="datetimeFigureOut">
               <a:rPr lang="en-US" smtClean="0"/>
-              <a:t>2/13/2018</a:t>
+              <a:t>7/12/2018</a:t>
             </a:fld>
             <a:endParaRPr lang="en-US"/>
           </a:p>
@@ -4338,7 +4342,7 @@
           <a:p>
             <a:fld id="{A3D36F48-29AB-4383-B770-6DA66B279A8F}" type="datetimeFigureOut">
               <a:rPr lang="en-US" smtClean="0"/>
-              <a:t>2/13/2018</a:t>
+              <a:t>7/12/2018</a:t>
             </a:fld>
             <a:endParaRPr lang="en-US"/>
           </a:p>
@@ -4603,7 +4607,7 @@
           <a:p>
             <a:fld id="{A3D36F48-29AB-4383-B770-6DA66B279A8F}" type="datetimeFigureOut">
               <a:rPr lang="en-US" smtClean="0"/>
-              <a:t>2/13/2018</a:t>
+              <a:t>7/12/2018</a:t>
             </a:fld>
             <a:endParaRPr lang="en-US"/>
           </a:p>
@@ -5015,7 +5019,7 @@
           <a:p>
             <a:fld id="{A3D36F48-29AB-4383-B770-6DA66B279A8F}" type="datetimeFigureOut">
               <a:rPr lang="en-US" smtClean="0"/>
-              <a:t>2/13/2018</a:t>
+              <a:t>7/12/2018</a:t>
             </a:fld>
             <a:endParaRPr lang="en-US"/>
           </a:p>
@@ -5156,7 +5160,7 @@
           <a:p>
             <a:fld id="{A3D36F48-29AB-4383-B770-6DA66B279A8F}" type="datetimeFigureOut">
               <a:rPr lang="en-US" smtClean="0"/>
-              <a:t>2/13/2018</a:t>
+              <a:t>7/12/2018</a:t>
             </a:fld>
             <a:endParaRPr lang="en-US"/>
           </a:p>
@@ -5269,7 +5273,7 @@
           <a:p>
             <a:fld id="{A3D36F48-29AB-4383-B770-6DA66B279A8F}" type="datetimeFigureOut">
               <a:rPr lang="en-US" smtClean="0"/>
-              <a:t>2/13/2018</a:t>
+              <a:t>7/12/2018</a:t>
             </a:fld>
             <a:endParaRPr lang="en-US"/>
           </a:p>
@@ -5580,7 +5584,7 @@
           <a:p>
             <a:fld id="{A3D36F48-29AB-4383-B770-6DA66B279A8F}" type="datetimeFigureOut">
               <a:rPr lang="en-US" smtClean="0"/>
-              <a:t>2/13/2018</a:t>
+              <a:t>7/12/2018</a:t>
             </a:fld>
             <a:endParaRPr lang="en-US"/>
           </a:p>
@@ -5868,7 +5872,7 @@
           <a:p>
             <a:fld id="{A3D36F48-29AB-4383-B770-6DA66B279A8F}" type="datetimeFigureOut">
               <a:rPr lang="en-US" smtClean="0"/>
-              <a:t>2/13/2018</a:t>
+              <a:t>7/12/2018</a:t>
             </a:fld>
             <a:endParaRPr lang="en-US"/>
           </a:p>
@@ -6109,7 +6113,7 @@
           <a:p>
             <a:fld id="{A3D36F48-29AB-4383-B770-6DA66B279A8F}" type="datetimeFigureOut">
               <a:rPr lang="en-US" smtClean="0"/>
-              <a:t>2/13/2018</a:t>
+              <a:t>7/12/2018</a:t>
             </a:fld>
             <a:endParaRPr lang="en-US"/>
           </a:p>
@@ -7180,6 +7184,560 @@
           <p:cNvPr id="2" name="Title 1">
             <a:extLst>
               <a:ext uri="{FF2B5EF4-FFF2-40B4-BE49-F238E27FC236}">
+                <a16:creationId xmlns:a16="http://schemas.microsoft.com/office/drawing/2014/main" id="{9CEDDD20-3F3A-4547-B9D6-061799FC367D}"/>
+              </a:ext>
+            </a:extLst>
+          </p:cNvPr>
+          <p:cNvSpPr>
+            <a:spLocks noGrp="1"/>
+          </p:cNvSpPr>
+          <p:nvPr>
+            <p:ph type="title"/>
+          </p:nvPr>
+        </p:nvSpPr>
+        <p:spPr>
+          <a:xfrm>
+            <a:off x="838200" y="365125"/>
+            <a:ext cx="10515600" cy="1325563"/>
+          </a:xfrm>
+        </p:spPr>
+        <p:txBody>
+          <a:bodyPr/>
+          <a:lstStyle/>
+          <a:p>
+            <a:pPr algn="ctr"/>
+            <a:r>
+              <a:rPr lang="en-US" dirty="0"/>
+              <a:t>Gaussian RBF Kernel</a:t>
+            </a:r>
+          </a:p>
+        </p:txBody>
+      </p:sp>
+      <p:sp>
+        <p:nvSpPr>
+          <p:cNvPr id="3" name="Content Placeholder 2">
+            <a:extLst>
+              <a:ext uri="{FF2B5EF4-FFF2-40B4-BE49-F238E27FC236}">
+                <a16:creationId xmlns:a16="http://schemas.microsoft.com/office/drawing/2014/main" id="{19305058-ED92-4554-87E6-933C8A6E9F14}"/>
+              </a:ext>
+            </a:extLst>
+          </p:cNvPr>
+          <p:cNvSpPr>
+            <a:spLocks noGrp="1"/>
+          </p:cNvSpPr>
+          <p:nvPr>
+            <p:ph idx="1"/>
+          </p:nvPr>
+        </p:nvSpPr>
+        <p:spPr>
+          <a:xfrm>
+            <a:off x="838200" y="1825625"/>
+            <a:ext cx="10515600" cy="4351338"/>
+          </a:xfrm>
+        </p:spPr>
+        <p:txBody>
+          <a:bodyPr>
+            <a:normAutofit/>
+          </a:bodyPr>
+          <a:lstStyle/>
+          <a:p>
+            <a:pPr marL="0" indent="0">
+              <a:buNone/>
+            </a:pPr>
+            <a:r>
+              <a:rPr lang="en-US" dirty="0"/>
+              <a:t>Gaussian RBF(Radial Basis Function) is another popular Kernel method used in SVM models. Gaussian Kernel is of the following format :</a:t>
+            </a:r>
+          </a:p>
+          <a:p>
+            <a:pPr marL="0" indent="0">
+              <a:buNone/>
+            </a:pPr>
+            <a:endParaRPr lang="en-US" dirty="0"/>
+          </a:p>
+          <a:p>
+            <a:pPr marL="0" indent="0">
+              <a:buNone/>
+            </a:pPr>
+            <a:endParaRPr lang="en-US" dirty="0"/>
+          </a:p>
+          <a:p>
+            <a:pPr marL="0" indent="0">
+              <a:buNone/>
+            </a:pPr>
+            <a:endParaRPr lang="en-US" dirty="0"/>
+          </a:p>
+          <a:p>
+            <a:pPr marL="0" indent="0">
+              <a:buNone/>
+            </a:pPr>
+            <a:r>
+              <a:rPr lang="en-US" dirty="0"/>
+              <a:t>where ||x−x′||2||x−x′||2 is the squared Euclidean distance between two data points xx and </a:t>
+            </a:r>
+            <a:r>
+              <a:rPr lang="en-US" dirty="0" err="1"/>
+              <a:t>x′x</a:t>
+            </a:r>
+            <a:r>
+              <a:rPr lang="en-US" dirty="0"/>
+              <a:t>′. </a:t>
+            </a:r>
+          </a:p>
+          <a:p>
+            <a:pPr marL="0" indent="0">
+              <a:buNone/>
+            </a:pPr>
+            <a:endParaRPr lang="en-US" dirty="0"/>
+          </a:p>
+        </p:txBody>
+      </p:sp>
+      <p:pic>
+        <p:nvPicPr>
+          <p:cNvPr id="8" name="Picture 7" descr="A picture containing object&#10;&#10;Description generated with very high confidence">
+            <a:extLst>
+              <a:ext uri="{FF2B5EF4-FFF2-40B4-BE49-F238E27FC236}">
+                <a16:creationId xmlns:a16="http://schemas.microsoft.com/office/drawing/2014/main" id="{A1B6972E-8571-465D-9E77-B1C0C3F7379B}"/>
+              </a:ext>
+            </a:extLst>
+          </p:cNvPr>
+          <p:cNvPicPr>
+            <a:picLocks noChangeAspect="1"/>
+          </p:cNvPicPr>
+          <p:nvPr/>
+        </p:nvPicPr>
+        <p:blipFill>
+          <a:blip r:embed="rId2">
+            <a:extLst>
+              <a:ext uri="{28A0092B-C50C-407E-A947-70E740481C1C}">
+                <a14:useLocalDpi xmlns:a14="http://schemas.microsoft.com/office/drawing/2010/main" val="0"/>
+              </a:ext>
+            </a:extLst>
+          </a:blip>
+          <a:stretch>
+            <a:fillRect/>
+          </a:stretch>
+        </p:blipFill>
+        <p:spPr>
+          <a:xfrm>
+            <a:off x="2926600" y="2580586"/>
+            <a:ext cx="5652516" cy="1582705"/>
+          </a:xfrm>
+          <a:prstGeom prst="rect">
+            <a:avLst/>
+          </a:prstGeom>
+        </p:spPr>
+      </p:pic>
+    </p:spTree>
+    <p:extLst>
+      <p:ext uri="{BB962C8B-B14F-4D97-AF65-F5344CB8AC3E}">
+        <p14:creationId xmlns:p14="http://schemas.microsoft.com/office/powerpoint/2010/main" val="1966783230"/>
+      </p:ext>
+    </p:extLst>
+  </p:cSld>
+  <p:clrMapOvr>
+    <a:masterClrMapping/>
+  </p:clrMapOvr>
+</p:sld>
+</file>
+
+<file path=ppt/slides/slide13.xml><?xml version="1.0" encoding="utf-8"?>
+<p:sld xmlns:a="http://schemas.openxmlformats.org/drawingml/2006/main" xmlns:r="http://schemas.openxmlformats.org/officeDocument/2006/relationships" xmlns:p="http://schemas.openxmlformats.org/presentationml/2006/main">
+  <p:cSld>
+    <p:spTree>
+      <p:nvGrpSpPr>
+        <p:cNvPr id="1" name=""/>
+        <p:cNvGrpSpPr/>
+        <p:nvPr/>
+      </p:nvGrpSpPr>
+      <p:grpSpPr>
+        <a:xfrm>
+          <a:off x="0" y="0"/>
+          <a:ext cx="0" cy="0"/>
+          <a:chOff x="0" y="0"/>
+          <a:chExt cx="0" cy="0"/>
+        </a:xfrm>
+      </p:grpSpPr>
+      <p:sp>
+        <p:nvSpPr>
+          <p:cNvPr id="2" name="Title 1">
+            <a:extLst>
+              <a:ext uri="{FF2B5EF4-FFF2-40B4-BE49-F238E27FC236}">
+                <a16:creationId xmlns:a16="http://schemas.microsoft.com/office/drawing/2014/main" id="{EE965E57-181A-4EF3-9EE1-FBEA9AE4D0AA}"/>
+              </a:ext>
+            </a:extLst>
+          </p:cNvPr>
+          <p:cNvSpPr>
+            <a:spLocks noGrp="1"/>
+          </p:cNvSpPr>
+          <p:nvPr>
+            <p:ph type="title"/>
+          </p:nvPr>
+        </p:nvSpPr>
+        <p:spPr/>
+        <p:txBody>
+          <a:bodyPr/>
+          <a:lstStyle/>
+          <a:p>
+            <a:pPr algn="ctr"/>
+            <a:r>
+              <a:rPr lang="en-US" dirty="0"/>
+              <a:t>Gaussian RBF Kernel</a:t>
+            </a:r>
+          </a:p>
+        </p:txBody>
+      </p:sp>
+      <p:sp>
+        <p:nvSpPr>
+          <p:cNvPr id="3" name="Content Placeholder 2">
+            <a:extLst>
+              <a:ext uri="{FF2B5EF4-FFF2-40B4-BE49-F238E27FC236}">
+                <a16:creationId xmlns:a16="http://schemas.microsoft.com/office/drawing/2014/main" id="{B83D2593-2AA1-4654-B0B4-FA6CD63A9E3E}"/>
+              </a:ext>
+            </a:extLst>
+          </p:cNvPr>
+          <p:cNvSpPr>
+            <a:spLocks noGrp="1"/>
+          </p:cNvSpPr>
+          <p:nvPr>
+            <p:ph idx="1"/>
+          </p:nvPr>
+        </p:nvSpPr>
+        <p:spPr/>
+        <p:txBody>
+          <a:bodyPr>
+            <a:normAutofit fontScale="92500" lnSpcReduction="10000"/>
+          </a:bodyPr>
+          <a:lstStyle/>
+          <a:p>
+            <a:pPr marL="0" indent="0">
+              <a:buNone/>
+            </a:pPr>
+            <a:r>
+              <a:rPr lang="en-US" dirty="0"/>
+              <a:t>There are 2 important hyperparameters in an SVM model :</a:t>
+            </a:r>
+          </a:p>
+          <a:p>
+            <a:pPr marL="0" indent="0">
+              <a:buNone/>
+            </a:pPr>
+            <a:r>
+              <a:rPr lang="en-US" b="1" dirty="0"/>
+              <a:t>C Parameter</a:t>
+            </a:r>
+          </a:p>
+          <a:p>
+            <a:pPr marL="0" indent="0">
+              <a:buNone/>
+            </a:pPr>
+            <a:r>
+              <a:rPr lang="en-US" dirty="0"/>
+              <a:t>C is a parameter of the SVC learner and is the penalty for misclassifying a data point.</a:t>
+            </a:r>
+            <a:endParaRPr lang="en-US" b="1" dirty="0"/>
+          </a:p>
+          <a:p>
+            <a:pPr marL="0" indent="0">
+              <a:buNone/>
+            </a:pPr>
+            <a:r>
+              <a:rPr lang="en-US" dirty="0"/>
+              <a:t>The C parameter decides the margin width of the SVM classifier. For large values of C, the model will choose a smaller-margin hyperplane if that hyperplane does a better job of getting all the training points classified correctly. Conversely, a very small value of C will cause the model to look for a larger-margin separating hyperplane, even if that hyperplane misclassifies more points. For very tiny values of C, you should get misclassified examples, often even if your training data is linearly separable.</a:t>
+            </a:r>
+          </a:p>
+        </p:txBody>
+      </p:sp>
+    </p:spTree>
+    <p:extLst>
+      <p:ext uri="{BB962C8B-B14F-4D97-AF65-F5344CB8AC3E}">
+        <p14:creationId xmlns:p14="http://schemas.microsoft.com/office/powerpoint/2010/main" val="3907182738"/>
+      </p:ext>
+    </p:extLst>
+  </p:cSld>
+  <p:clrMapOvr>
+    <a:masterClrMapping/>
+  </p:clrMapOvr>
+</p:sld>
+</file>
+
+<file path=ppt/slides/slide14.xml><?xml version="1.0" encoding="utf-8"?>
+<p:sld xmlns:a="http://schemas.openxmlformats.org/drawingml/2006/main" xmlns:r="http://schemas.openxmlformats.org/officeDocument/2006/relationships" xmlns:p="http://schemas.openxmlformats.org/presentationml/2006/main">
+  <p:cSld>
+    <p:spTree>
+      <p:nvGrpSpPr>
+        <p:cNvPr id="1" name=""/>
+        <p:cNvGrpSpPr/>
+        <p:nvPr/>
+      </p:nvGrpSpPr>
+      <p:grpSpPr>
+        <a:xfrm>
+          <a:off x="0" y="0"/>
+          <a:ext cx="0" cy="0"/>
+          <a:chOff x="0" y="0"/>
+          <a:chExt cx="0" cy="0"/>
+        </a:xfrm>
+      </p:grpSpPr>
+      <p:sp>
+        <p:nvSpPr>
+          <p:cNvPr id="2" name="Title 1">
+            <a:extLst>
+              <a:ext uri="{FF2B5EF4-FFF2-40B4-BE49-F238E27FC236}">
+                <a16:creationId xmlns:a16="http://schemas.microsoft.com/office/drawing/2014/main" id="{BF94B8CD-AF84-4A56-94DE-7567437874E5}"/>
+              </a:ext>
+            </a:extLst>
+          </p:cNvPr>
+          <p:cNvSpPr>
+            <a:spLocks noGrp="1"/>
+          </p:cNvSpPr>
+          <p:nvPr>
+            <p:ph type="title"/>
+          </p:nvPr>
+        </p:nvSpPr>
+        <p:spPr/>
+        <p:txBody>
+          <a:bodyPr/>
+          <a:lstStyle/>
+          <a:p>
+            <a:pPr algn="ctr"/>
+            <a:r>
+              <a:rPr lang="en-US" dirty="0"/>
+              <a:t>Gaussian RBF Kernel</a:t>
+            </a:r>
+          </a:p>
+        </p:txBody>
+      </p:sp>
+      <p:sp>
+        <p:nvSpPr>
+          <p:cNvPr id="3" name="Content Placeholder 2">
+            <a:extLst>
+              <a:ext uri="{FF2B5EF4-FFF2-40B4-BE49-F238E27FC236}">
+                <a16:creationId xmlns:a16="http://schemas.microsoft.com/office/drawing/2014/main" id="{79C05174-6E78-4B83-AA1F-879C23BB4F81}"/>
+              </a:ext>
+            </a:extLst>
+          </p:cNvPr>
+          <p:cNvSpPr>
+            <a:spLocks noGrp="1"/>
+          </p:cNvSpPr>
+          <p:nvPr>
+            <p:ph idx="1"/>
+          </p:nvPr>
+        </p:nvSpPr>
+        <p:spPr/>
+        <p:txBody>
+          <a:bodyPr/>
+          <a:lstStyle/>
+          <a:p>
+            <a:pPr marL="0" indent="0">
+              <a:buNone/>
+            </a:pPr>
+            <a:r>
+              <a:rPr lang="en-US" b="1" dirty="0"/>
+              <a:t>Gamma</a:t>
+            </a:r>
+          </a:p>
+          <a:p>
+            <a:pPr marL="0" indent="0">
+              <a:buNone/>
+            </a:pPr>
+            <a:r>
+              <a:rPr lang="en-US" dirty="0"/>
+              <a:t>Gamma is a parameter of the RBF kernel and can be thought of as the spread of the kernel and therefore the decision region. When Gamma is low the ‘curve’ of the decision boundary is very low and thus the decision region is very broad. </a:t>
+            </a:r>
+          </a:p>
+          <a:p>
+            <a:pPr marL="0" indent="0">
+              <a:buNone/>
+            </a:pPr>
+            <a:r>
+              <a:rPr lang="en-US" dirty="0"/>
+              <a:t>When Gamma is high, the ‘curve’ of the decision boundary is high, which creates islands of decision-boundaries around data points. We will see this very clearly below.</a:t>
+            </a:r>
+          </a:p>
+        </p:txBody>
+      </p:sp>
+    </p:spTree>
+    <p:extLst>
+      <p:ext uri="{BB962C8B-B14F-4D97-AF65-F5344CB8AC3E}">
+        <p14:creationId xmlns:p14="http://schemas.microsoft.com/office/powerpoint/2010/main" val="2582926406"/>
+      </p:ext>
+    </p:extLst>
+  </p:cSld>
+  <p:clrMapOvr>
+    <a:masterClrMapping/>
+  </p:clrMapOvr>
+</p:sld>
+</file>
+
+<file path=ppt/slides/slide15.xml><?xml version="1.0" encoding="utf-8"?>
+<p:sld xmlns:a="http://schemas.openxmlformats.org/drawingml/2006/main" xmlns:r="http://schemas.openxmlformats.org/officeDocument/2006/relationships" xmlns:p="http://schemas.openxmlformats.org/presentationml/2006/main">
+  <p:cSld>
+    <p:spTree>
+      <p:nvGrpSpPr>
+        <p:cNvPr id="1" name=""/>
+        <p:cNvGrpSpPr/>
+        <p:nvPr/>
+      </p:nvGrpSpPr>
+      <p:grpSpPr>
+        <a:xfrm>
+          <a:off x="0" y="0"/>
+          <a:ext cx="0" cy="0"/>
+          <a:chOff x="0" y="0"/>
+          <a:chExt cx="0" cy="0"/>
+        </a:xfrm>
+      </p:grpSpPr>
+      <p:sp>
+        <p:nvSpPr>
+          <p:cNvPr id="2" name="Title 1">
+            <a:extLst>
+              <a:ext uri="{FF2B5EF4-FFF2-40B4-BE49-F238E27FC236}">
+                <a16:creationId xmlns:a16="http://schemas.microsoft.com/office/drawing/2014/main" id="{DEB49B0F-6798-4C36-BFCB-0BB2A1F0F8D4}"/>
+              </a:ext>
+            </a:extLst>
+          </p:cNvPr>
+          <p:cNvSpPr>
+            <a:spLocks noGrp="1"/>
+          </p:cNvSpPr>
+          <p:nvPr>
+            <p:ph type="title"/>
+          </p:nvPr>
+        </p:nvSpPr>
+        <p:spPr/>
+        <p:txBody>
+          <a:bodyPr/>
+          <a:lstStyle/>
+          <a:p>
+            <a:pPr algn="ctr"/>
+            <a:r>
+              <a:rPr lang="en-US" dirty="0"/>
+              <a:t>Polynomial Kernel</a:t>
+            </a:r>
+          </a:p>
+        </p:txBody>
+      </p:sp>
+      <p:sp>
+        <p:nvSpPr>
+          <p:cNvPr id="3" name="Content Placeholder 2">
+            <a:extLst>
+              <a:ext uri="{FF2B5EF4-FFF2-40B4-BE49-F238E27FC236}">
+                <a16:creationId xmlns:a16="http://schemas.microsoft.com/office/drawing/2014/main" id="{6C808DD3-9450-4688-B886-D97875F273D6}"/>
+              </a:ext>
+            </a:extLst>
+          </p:cNvPr>
+          <p:cNvSpPr>
+            <a:spLocks noGrp="1"/>
+          </p:cNvSpPr>
+          <p:nvPr>
+            <p:ph idx="1"/>
+          </p:nvPr>
+        </p:nvSpPr>
+        <p:spPr/>
+        <p:txBody>
+          <a:bodyPr/>
+          <a:lstStyle/>
+          <a:p>
+            <a:pPr marL="0" indent="0">
+              <a:buNone/>
+            </a:pPr>
+            <a:r>
+              <a:rPr lang="en-US" dirty="0"/>
+              <a:t>Adding polynomial features is very simple to implement. But a low polynomial degree cannot deal with complex datasets, and with high polynomial degree it will create huge number of features, making the model too slow. In these situations we can use a polynomial kernel to avoid this problem. Polynomial kernel is of the following format : </a:t>
+            </a:r>
+          </a:p>
+          <a:p>
+            <a:pPr marL="0" indent="0">
+              <a:buNone/>
+            </a:pPr>
+            <a:endParaRPr lang="en-US" dirty="0"/>
+          </a:p>
+          <a:p>
+            <a:pPr marL="0" indent="0">
+              <a:buNone/>
+            </a:pPr>
+            <a:endParaRPr lang="en-US" dirty="0"/>
+          </a:p>
+          <a:p>
+            <a:pPr marL="0" indent="0">
+              <a:buNone/>
+            </a:pPr>
+            <a:r>
+              <a:rPr lang="en-US" dirty="0"/>
+              <a:t>Where d is the degree of polynomial</a:t>
+            </a:r>
+          </a:p>
+        </p:txBody>
+      </p:sp>
+      <p:pic>
+        <p:nvPicPr>
+          <p:cNvPr id="5" name="Picture 4">
+            <a:extLst>
+              <a:ext uri="{FF2B5EF4-FFF2-40B4-BE49-F238E27FC236}">
+                <a16:creationId xmlns:a16="http://schemas.microsoft.com/office/drawing/2014/main" id="{0B269B63-8F33-4CD3-91D4-F271439298EC}"/>
+              </a:ext>
+            </a:extLst>
+          </p:cNvPr>
+          <p:cNvPicPr>
+            <a:picLocks noChangeAspect="1"/>
+          </p:cNvPicPr>
+          <p:nvPr/>
+        </p:nvPicPr>
+        <p:blipFill>
+          <a:blip r:embed="rId2">
+            <a:extLst>
+              <a:ext uri="{28A0092B-C50C-407E-A947-70E740481C1C}">
+                <a14:useLocalDpi xmlns:a14="http://schemas.microsoft.com/office/drawing/2010/main" val="0"/>
+              </a:ext>
+            </a:extLst>
+          </a:blip>
+          <a:stretch>
+            <a:fillRect/>
+          </a:stretch>
+        </p:blipFill>
+        <p:spPr>
+          <a:xfrm>
+            <a:off x="3714146" y="3917121"/>
+            <a:ext cx="3770170" cy="827599"/>
+          </a:xfrm>
+          <a:prstGeom prst="rect">
+            <a:avLst/>
+          </a:prstGeom>
+        </p:spPr>
+      </p:pic>
+    </p:spTree>
+    <p:extLst>
+      <p:ext uri="{BB962C8B-B14F-4D97-AF65-F5344CB8AC3E}">
+        <p14:creationId xmlns:p14="http://schemas.microsoft.com/office/powerpoint/2010/main" val="3199729928"/>
+      </p:ext>
+    </p:extLst>
+  </p:cSld>
+  <p:clrMapOvr>
+    <a:masterClrMapping/>
+  </p:clrMapOvr>
+</p:sld>
+</file>
+
+<file path=ppt/slides/slide16.xml><?xml version="1.0" encoding="utf-8"?>
+<p:sld xmlns:a="http://schemas.openxmlformats.org/drawingml/2006/main" xmlns:r="http://schemas.openxmlformats.org/officeDocument/2006/relationships" xmlns:p="http://schemas.openxmlformats.org/presentationml/2006/main">
+  <p:cSld>
+    <p:spTree>
+      <p:nvGrpSpPr>
+        <p:cNvPr id="1" name=""/>
+        <p:cNvGrpSpPr/>
+        <p:nvPr/>
+      </p:nvGrpSpPr>
+      <p:grpSpPr>
+        <a:xfrm>
+          <a:off x="0" y="0"/>
+          <a:ext cx="0" cy="0"/>
+          <a:chOff x="0" y="0"/>
+          <a:chExt cx="0" cy="0"/>
+        </a:xfrm>
+      </p:grpSpPr>
+      <p:sp>
+        <p:nvSpPr>
+          <p:cNvPr id="2" name="Title 1">
+            <a:extLst>
+              <a:ext uri="{FF2B5EF4-FFF2-40B4-BE49-F238E27FC236}">
                 <a16:creationId xmlns:a16="http://schemas.microsoft.com/office/drawing/2014/main" id="{D446947F-3406-4ACD-9D33-4FCC4A700C2A}"/>
               </a:ext>
             </a:extLst>
@@ -7328,7 +7886,7 @@
 </p:sld>
 </file>
 
-<file path=ppt/slides/slide13.xml><?xml version="1.0" encoding="utf-8"?>
+<file path=ppt/slides/slide17.xml><?xml version="1.0" encoding="utf-8"?>
 <p:sld xmlns:a="http://schemas.openxmlformats.org/drawingml/2006/main" xmlns:r="http://schemas.openxmlformats.org/officeDocument/2006/relationships" xmlns:p="http://schemas.openxmlformats.org/presentationml/2006/main">
   <p:cSld>
     <p:spTree>
@@ -7458,643 +8016,6 @@
 </p:sld>
 </file>
 
-<file path=ppt/slides/slide14.xml><?xml version="1.0" encoding="utf-8"?>
-<p:sld xmlns:a="http://schemas.openxmlformats.org/drawingml/2006/main" xmlns:r="http://schemas.openxmlformats.org/officeDocument/2006/relationships" xmlns:p="http://schemas.openxmlformats.org/presentationml/2006/main">
-  <p:cSld>
-    <p:spTree>
-      <p:nvGrpSpPr>
-        <p:cNvPr id="1" name=""/>
-        <p:cNvGrpSpPr/>
-        <p:nvPr/>
-      </p:nvGrpSpPr>
-      <p:grpSpPr>
-        <a:xfrm>
-          <a:off x="0" y="0"/>
-          <a:ext cx="0" cy="0"/>
-          <a:chOff x="0" y="0"/>
-          <a:chExt cx="0" cy="0"/>
-        </a:xfrm>
-      </p:grpSpPr>
-      <p:sp>
-        <p:nvSpPr>
-          <p:cNvPr id="2" name="Title 1">
-            <a:extLst>
-              <a:ext uri="{FF2B5EF4-FFF2-40B4-BE49-F238E27FC236}">
-                <a16:creationId xmlns:a16="http://schemas.microsoft.com/office/drawing/2014/main" id="{9810AF99-E731-48BB-BEA5-CF3104D3F37B}"/>
-              </a:ext>
-            </a:extLst>
-          </p:cNvPr>
-          <p:cNvSpPr>
-            <a:spLocks noGrp="1"/>
-          </p:cNvSpPr>
-          <p:nvPr>
-            <p:ph type="title"/>
-          </p:nvPr>
-        </p:nvSpPr>
-        <p:spPr/>
-        <p:txBody>
-          <a:bodyPr/>
-          <a:lstStyle/>
-          <a:p>
-            <a:pPr algn="ctr"/>
-            <a:r>
-              <a:rPr lang="en-US" dirty="0"/>
-              <a:t>Math of SVM</a:t>
-            </a:r>
-          </a:p>
-        </p:txBody>
-      </p:sp>
-      <p:sp>
-        <p:nvSpPr>
-          <p:cNvPr id="3" name="Content Placeholder 2">
-            <a:extLst>
-              <a:ext uri="{FF2B5EF4-FFF2-40B4-BE49-F238E27FC236}">
-                <a16:creationId xmlns:a16="http://schemas.microsoft.com/office/drawing/2014/main" id="{2D2F669B-203A-4F89-A607-AD3AB1EE0A28}"/>
-              </a:ext>
-            </a:extLst>
-          </p:cNvPr>
-          <p:cNvSpPr>
-            <a:spLocks noGrp="1"/>
-          </p:cNvSpPr>
-          <p:nvPr>
-            <p:ph idx="1"/>
-          </p:nvPr>
-        </p:nvSpPr>
-        <p:spPr/>
-        <p:txBody>
-          <a:bodyPr/>
-          <a:lstStyle/>
-          <a:p>
-            <a:r>
-              <a:rPr lang="en-US" dirty="0"/>
-              <a:t>Our objective of a SVM consists of two terms. The first term is a </a:t>
-            </a:r>
-            <a:r>
-              <a:rPr lang="en-US" dirty="0" err="1"/>
-              <a:t>regularizer</a:t>
-            </a:r>
-            <a:r>
-              <a:rPr lang="en-US" dirty="0"/>
-              <a:t>, the heart of the SVM, the second term the loss. The </a:t>
-            </a:r>
-            <a:r>
-              <a:rPr lang="en-US" dirty="0" err="1"/>
-              <a:t>regularizer</a:t>
-            </a:r>
-            <a:r>
-              <a:rPr lang="en-US" dirty="0"/>
-              <a:t> balances between margin maximization and loss. We want to find the decision surface that is maximally far away from any data points.</a:t>
-            </a:r>
-          </a:p>
-          <a:p>
-            <a:pPr marL="0" indent="0">
-              <a:buNone/>
-            </a:pPr>
-            <a:r>
-              <a:rPr lang="en-US" dirty="0"/>
-              <a:t>How do we minimize our loss/optimize for our objective (</a:t>
-            </a:r>
-            <a:r>
-              <a:rPr lang="en-US" dirty="0" err="1"/>
-              <a:t>i.e</a:t>
-            </a:r>
-            <a:r>
-              <a:rPr lang="en-US" dirty="0"/>
-              <a:t> learn)?</a:t>
-            </a:r>
-          </a:p>
-          <a:p>
-            <a:r>
-              <a:rPr lang="en-US" dirty="0"/>
-              <a:t>We have to derive our objective function to get the gradients! Gradient descent : As we have two terms, we will derive them </a:t>
-            </a:r>
-            <a:r>
-              <a:rPr lang="en-US" dirty="0" err="1"/>
-              <a:t>seperately</a:t>
-            </a:r>
-            <a:r>
-              <a:rPr lang="en-US" dirty="0"/>
-              <a:t> using the sum rule in differentiation.</a:t>
-            </a:r>
-          </a:p>
-          <a:p>
-            <a:pPr marL="0" indent="0">
-              <a:buNone/>
-            </a:pPr>
-            <a:endParaRPr lang="en-US" dirty="0"/>
-          </a:p>
-        </p:txBody>
-      </p:sp>
-    </p:spTree>
-    <p:extLst>
-      <p:ext uri="{BB962C8B-B14F-4D97-AF65-F5344CB8AC3E}">
-        <p14:creationId xmlns:p14="http://schemas.microsoft.com/office/powerpoint/2010/main" val="2251163788"/>
-      </p:ext>
-    </p:extLst>
-  </p:cSld>
-  <p:clrMapOvr>
-    <a:masterClrMapping/>
-  </p:clrMapOvr>
-</p:sld>
-</file>
-
-<file path=ppt/slides/slide15.xml><?xml version="1.0" encoding="utf-8"?>
-<p:sld xmlns:a="http://schemas.openxmlformats.org/drawingml/2006/main" xmlns:r="http://schemas.openxmlformats.org/officeDocument/2006/relationships" xmlns:p="http://schemas.openxmlformats.org/presentationml/2006/main">
-  <p:cSld>
-    <p:spTree>
-      <p:nvGrpSpPr>
-        <p:cNvPr id="1" name=""/>
-        <p:cNvGrpSpPr/>
-        <p:nvPr/>
-      </p:nvGrpSpPr>
-      <p:grpSpPr>
-        <a:xfrm>
-          <a:off x="0" y="0"/>
-          <a:ext cx="0" cy="0"/>
-          <a:chOff x="0" y="0"/>
-          <a:chExt cx="0" cy="0"/>
-        </a:xfrm>
-      </p:grpSpPr>
-      <p:sp>
-        <p:nvSpPr>
-          <p:cNvPr id="2" name="Title 1">
-            <a:extLst>
-              <a:ext uri="{FF2B5EF4-FFF2-40B4-BE49-F238E27FC236}">
-                <a16:creationId xmlns:a16="http://schemas.microsoft.com/office/drawing/2014/main" id="{43E90961-DC1F-4A5C-9627-9EAF1AC86C7E}"/>
-              </a:ext>
-            </a:extLst>
-          </p:cNvPr>
-          <p:cNvSpPr>
-            <a:spLocks noGrp="1"/>
-          </p:cNvSpPr>
-          <p:nvPr>
-            <p:ph type="title"/>
-          </p:nvPr>
-        </p:nvSpPr>
-        <p:spPr>
-          <a:xfrm>
-            <a:off x="838200" y="365125"/>
-            <a:ext cx="10515600" cy="1325563"/>
-          </a:xfrm>
-        </p:spPr>
-        <p:txBody>
-          <a:bodyPr/>
-          <a:lstStyle/>
-          <a:p>
-            <a:pPr algn="ctr"/>
-            <a:r>
-              <a:rPr lang="en-US"/>
-              <a:t>Math of SVM</a:t>
-            </a:r>
-            <a:endParaRPr lang="en-US" dirty="0"/>
-          </a:p>
-        </p:txBody>
-      </p:sp>
-      <p:sp>
-        <p:nvSpPr>
-          <p:cNvPr id="7" name="Content Placeholder 6">
-            <a:extLst>
-              <a:ext uri="{FF2B5EF4-FFF2-40B4-BE49-F238E27FC236}">
-                <a16:creationId xmlns:a16="http://schemas.microsoft.com/office/drawing/2014/main" id="{3E908F72-3991-43FD-8108-454ED0A7A91F}"/>
-              </a:ext>
-            </a:extLst>
-          </p:cNvPr>
-          <p:cNvSpPr>
-            <a:spLocks noGrp="1"/>
-          </p:cNvSpPr>
-          <p:nvPr>
-            <p:ph idx="1"/>
-          </p:nvPr>
-        </p:nvSpPr>
-        <p:spPr/>
-        <p:txBody>
-          <a:bodyPr/>
-          <a:lstStyle/>
-          <a:p>
-            <a:endParaRPr lang="en-US" dirty="0"/>
-          </a:p>
-          <a:p>
-            <a:endParaRPr lang="en-US" dirty="0"/>
-          </a:p>
-          <a:p>
-            <a:endParaRPr lang="en-US" dirty="0"/>
-          </a:p>
-          <a:p>
-            <a:endParaRPr lang="en-US" dirty="0"/>
-          </a:p>
-          <a:p>
-            <a:endParaRPr lang="en-US" dirty="0"/>
-          </a:p>
-          <a:p>
-            <a:endParaRPr lang="en-US" dirty="0"/>
-          </a:p>
-          <a:p>
-            <a:r>
-              <a:rPr lang="en-US" dirty="0"/>
-              <a:t>This means, if we have a misclassified sample, we update the weight vector w using the gradients of both terms, else if classified correctly, we just update w by the gradient of the </a:t>
-            </a:r>
-            <a:r>
-              <a:rPr lang="en-US" dirty="0" err="1"/>
-              <a:t>regularizer</a:t>
-            </a:r>
-            <a:r>
-              <a:rPr lang="en-US" dirty="0"/>
-              <a:t>.</a:t>
-            </a:r>
-          </a:p>
-        </p:txBody>
-      </p:sp>
-      <p:pic>
-        <p:nvPicPr>
-          <p:cNvPr id="9" name="Picture 8" descr="A picture containing object&#10;&#10;Description generated with high confidence">
-            <a:extLst>
-              <a:ext uri="{FF2B5EF4-FFF2-40B4-BE49-F238E27FC236}">
-                <a16:creationId xmlns:a16="http://schemas.microsoft.com/office/drawing/2014/main" id="{40C049E8-7823-45E3-B791-9C85B6CFA1A6}"/>
-              </a:ext>
-            </a:extLst>
-          </p:cNvPr>
-          <p:cNvPicPr>
-            <a:picLocks noChangeAspect="1"/>
-          </p:cNvPicPr>
-          <p:nvPr/>
-        </p:nvPicPr>
-        <p:blipFill>
-          <a:blip r:embed="rId2">
-            <a:extLst>
-              <a:ext uri="{28A0092B-C50C-407E-A947-70E740481C1C}">
-                <a14:useLocalDpi xmlns:a14="http://schemas.microsoft.com/office/drawing/2010/main" val="0"/>
-              </a:ext>
-            </a:extLst>
-          </a:blip>
-          <a:stretch>
-            <a:fillRect/>
-          </a:stretch>
-        </p:blipFill>
-        <p:spPr>
-          <a:xfrm>
-            <a:off x="764606" y="1690687"/>
-            <a:ext cx="10338476" cy="2785059"/>
-          </a:xfrm>
-          <a:prstGeom prst="rect">
-            <a:avLst/>
-          </a:prstGeom>
-        </p:spPr>
-      </p:pic>
-    </p:spTree>
-    <p:extLst>
-      <p:ext uri="{BB962C8B-B14F-4D97-AF65-F5344CB8AC3E}">
-        <p14:creationId xmlns:p14="http://schemas.microsoft.com/office/powerpoint/2010/main" val="2900206964"/>
-      </p:ext>
-    </p:extLst>
-  </p:cSld>
-  <p:clrMapOvr>
-    <a:masterClrMapping/>
-  </p:clrMapOvr>
-</p:sld>
-</file>
-
-<file path=ppt/slides/slide16.xml><?xml version="1.0" encoding="utf-8"?>
-<p:sld xmlns:a="http://schemas.openxmlformats.org/drawingml/2006/main" xmlns:r="http://schemas.openxmlformats.org/officeDocument/2006/relationships" xmlns:p="http://schemas.openxmlformats.org/presentationml/2006/main">
-  <p:cSld>
-    <p:spTree>
-      <p:nvGrpSpPr>
-        <p:cNvPr id="1" name=""/>
-        <p:cNvGrpSpPr/>
-        <p:nvPr/>
-      </p:nvGrpSpPr>
-      <p:grpSpPr>
-        <a:xfrm>
-          <a:off x="0" y="0"/>
-          <a:ext cx="0" cy="0"/>
-          <a:chOff x="0" y="0"/>
-          <a:chExt cx="0" cy="0"/>
-        </a:xfrm>
-      </p:grpSpPr>
-      <p:sp>
-        <p:nvSpPr>
-          <p:cNvPr id="2" name="Title 1">
-            <a:extLst>
-              <a:ext uri="{FF2B5EF4-FFF2-40B4-BE49-F238E27FC236}">
-                <a16:creationId xmlns:a16="http://schemas.microsoft.com/office/drawing/2014/main" id="{C7D57059-E209-4DBC-88E4-EDDF60257A9A}"/>
-              </a:ext>
-            </a:extLst>
-          </p:cNvPr>
-          <p:cNvSpPr>
-            <a:spLocks noGrp="1"/>
-          </p:cNvSpPr>
-          <p:nvPr>
-            <p:ph type="title"/>
-          </p:nvPr>
-        </p:nvSpPr>
-        <p:spPr/>
-        <p:txBody>
-          <a:bodyPr/>
-          <a:lstStyle/>
-          <a:p>
-            <a:pPr algn="ctr"/>
-            <a:r>
-              <a:rPr lang="en-US" dirty="0"/>
-              <a:t>Math of SVM</a:t>
-            </a:r>
-          </a:p>
-        </p:txBody>
-      </p:sp>
-      <p:sp>
-        <p:nvSpPr>
-          <p:cNvPr id="3" name="Content Placeholder 2">
-            <a:extLst>
-              <a:ext uri="{FF2B5EF4-FFF2-40B4-BE49-F238E27FC236}">
-                <a16:creationId xmlns:a16="http://schemas.microsoft.com/office/drawing/2014/main" id="{1C86871C-1F7A-40A4-96A9-C6B21ACD09B3}"/>
-              </a:ext>
-            </a:extLst>
-          </p:cNvPr>
-          <p:cNvSpPr>
-            <a:spLocks noGrp="1"/>
-          </p:cNvSpPr>
-          <p:nvPr>
-            <p:ph idx="1"/>
-          </p:nvPr>
-        </p:nvSpPr>
-        <p:spPr/>
-        <p:txBody>
-          <a:bodyPr>
-            <a:normAutofit fontScale="92500" lnSpcReduction="10000"/>
-          </a:bodyPr>
-          <a:lstStyle/>
-          <a:p>
-            <a:r>
-              <a:rPr lang="en-US" dirty="0"/>
-              <a:t>Misclassification condition</a:t>
-            </a:r>
-          </a:p>
-          <a:p>
-            <a:pPr marL="0" indent="0">
-              <a:buNone/>
-            </a:pPr>
-            <a:endParaRPr lang="en-US" dirty="0"/>
-          </a:p>
-          <a:p>
-            <a:endParaRPr lang="en-US" dirty="0"/>
-          </a:p>
-          <a:p>
-            <a:r>
-              <a:rPr lang="en-US" dirty="0"/>
-              <a:t>Update rule for our weights (misclassified)</a:t>
-            </a:r>
-          </a:p>
-          <a:p>
-            <a:endParaRPr lang="en-US" dirty="0"/>
-          </a:p>
-          <a:p>
-            <a:endParaRPr lang="en-US" dirty="0"/>
-          </a:p>
-          <a:p>
-            <a:endParaRPr lang="en-US" dirty="0"/>
-          </a:p>
-          <a:p>
-            <a:pPr marL="0" indent="0">
-              <a:buNone/>
-            </a:pPr>
-            <a:r>
-              <a:rPr lang="en-US" dirty="0"/>
-              <a:t>including the learning rate η and the </a:t>
-            </a:r>
-            <a:r>
-              <a:rPr lang="en-US" dirty="0" err="1"/>
-              <a:t>regularizer</a:t>
-            </a:r>
-            <a:r>
-              <a:rPr lang="en-US" dirty="0"/>
-              <a:t> λ The learning rate is the length of the steps the algorithm makes down the gradient on the error curve.</a:t>
-            </a:r>
-          </a:p>
-        </p:txBody>
-      </p:sp>
-      <p:pic>
-        <p:nvPicPr>
-          <p:cNvPr id="5" name="Picture 4" descr="A close up of a logo&#10;&#10;Description generated with very high confidence">
-            <a:extLst>
-              <a:ext uri="{FF2B5EF4-FFF2-40B4-BE49-F238E27FC236}">
-                <a16:creationId xmlns:a16="http://schemas.microsoft.com/office/drawing/2014/main" id="{DE959709-E6F0-406F-8D35-AF6C0A41938B}"/>
-              </a:ext>
-            </a:extLst>
-          </p:cNvPr>
-          <p:cNvPicPr>
-            <a:picLocks noChangeAspect="1"/>
-          </p:cNvPicPr>
-          <p:nvPr/>
-        </p:nvPicPr>
-        <p:blipFill>
-          <a:blip r:embed="rId2">
-            <a:extLst>
-              <a:ext uri="{28A0092B-C50C-407E-A947-70E740481C1C}">
-                <a14:useLocalDpi xmlns:a14="http://schemas.microsoft.com/office/drawing/2010/main" val="0"/>
-              </a:ext>
-            </a:extLst>
-          </a:blip>
-          <a:stretch>
-            <a:fillRect/>
-          </a:stretch>
-        </p:blipFill>
-        <p:spPr>
-          <a:xfrm>
-            <a:off x="5195035" y="1925054"/>
-            <a:ext cx="3381074" cy="1163892"/>
-          </a:xfrm>
-          <a:prstGeom prst="rect">
-            <a:avLst/>
-          </a:prstGeom>
-        </p:spPr>
-      </p:pic>
-      <p:pic>
-        <p:nvPicPr>
-          <p:cNvPr id="7" name="Picture 6" descr="A picture containing object&#10;&#10;Description generated with very high confidence">
-            <a:extLst>
-              <a:ext uri="{FF2B5EF4-FFF2-40B4-BE49-F238E27FC236}">
-                <a16:creationId xmlns:a16="http://schemas.microsoft.com/office/drawing/2014/main" id="{924D3FBE-CCA7-45C8-A4E7-F5454AECD5B4}"/>
-              </a:ext>
-            </a:extLst>
-          </p:cNvPr>
-          <p:cNvPicPr>
-            <a:picLocks noChangeAspect="1"/>
-          </p:cNvPicPr>
-          <p:nvPr/>
-        </p:nvPicPr>
-        <p:blipFill>
-          <a:blip r:embed="rId3">
-            <a:extLst>
-              <a:ext uri="{28A0092B-C50C-407E-A947-70E740481C1C}">
-                <a14:useLocalDpi xmlns:a14="http://schemas.microsoft.com/office/drawing/2010/main" val="0"/>
-              </a:ext>
-            </a:extLst>
-          </a:blip>
-          <a:stretch>
-            <a:fillRect/>
-          </a:stretch>
-        </p:blipFill>
-        <p:spPr>
-          <a:xfrm>
-            <a:off x="3467099" y="3735809"/>
-            <a:ext cx="5657649" cy="973359"/>
-          </a:xfrm>
-          <a:prstGeom prst="rect">
-            <a:avLst/>
-          </a:prstGeom>
-        </p:spPr>
-      </p:pic>
-    </p:spTree>
-    <p:extLst>
-      <p:ext uri="{BB962C8B-B14F-4D97-AF65-F5344CB8AC3E}">
-        <p14:creationId xmlns:p14="http://schemas.microsoft.com/office/powerpoint/2010/main" val="3134163161"/>
-      </p:ext>
-    </p:extLst>
-  </p:cSld>
-  <p:clrMapOvr>
-    <a:masterClrMapping/>
-  </p:clrMapOvr>
-</p:sld>
-</file>
-
-<file path=ppt/slides/slide17.xml><?xml version="1.0" encoding="utf-8"?>
-<p:sld xmlns:a="http://schemas.openxmlformats.org/drawingml/2006/main" xmlns:r="http://schemas.openxmlformats.org/officeDocument/2006/relationships" xmlns:p="http://schemas.openxmlformats.org/presentationml/2006/main">
-  <p:cSld>
-    <p:spTree>
-      <p:nvGrpSpPr>
-        <p:cNvPr id="1" name=""/>
-        <p:cNvGrpSpPr/>
-        <p:nvPr/>
-      </p:nvGrpSpPr>
-      <p:grpSpPr>
-        <a:xfrm>
-          <a:off x="0" y="0"/>
-          <a:ext cx="0" cy="0"/>
-          <a:chOff x="0" y="0"/>
-          <a:chExt cx="0" cy="0"/>
-        </a:xfrm>
-      </p:grpSpPr>
-      <p:sp>
-        <p:nvSpPr>
-          <p:cNvPr id="2" name="Title 1">
-            <a:extLst>
-              <a:ext uri="{FF2B5EF4-FFF2-40B4-BE49-F238E27FC236}">
-                <a16:creationId xmlns:a16="http://schemas.microsoft.com/office/drawing/2014/main" id="{64BCB06D-27D8-443B-A57B-864DCB32EB83}"/>
-              </a:ext>
-            </a:extLst>
-          </p:cNvPr>
-          <p:cNvSpPr>
-            <a:spLocks noGrp="1"/>
-          </p:cNvSpPr>
-          <p:nvPr>
-            <p:ph type="title"/>
-          </p:nvPr>
-        </p:nvSpPr>
-        <p:spPr/>
-        <p:txBody>
-          <a:bodyPr/>
-          <a:lstStyle/>
-          <a:p>
-            <a:pPr algn="ctr"/>
-            <a:r>
-              <a:rPr lang="en-US" dirty="0"/>
-              <a:t>Math of SVM</a:t>
-            </a:r>
-          </a:p>
-        </p:txBody>
-      </p:sp>
-      <p:sp>
-        <p:nvSpPr>
-          <p:cNvPr id="3" name="Content Placeholder 2">
-            <a:extLst>
-              <a:ext uri="{FF2B5EF4-FFF2-40B4-BE49-F238E27FC236}">
-                <a16:creationId xmlns:a16="http://schemas.microsoft.com/office/drawing/2014/main" id="{46376DD8-A1A5-49F5-9643-5D23BDF64CFE}"/>
-              </a:ext>
-            </a:extLst>
-          </p:cNvPr>
-          <p:cNvSpPr>
-            <a:spLocks noGrp="1"/>
-          </p:cNvSpPr>
-          <p:nvPr>
-            <p:ph idx="1"/>
-          </p:nvPr>
-        </p:nvSpPr>
-        <p:spPr/>
-        <p:txBody>
-          <a:bodyPr>
-            <a:normAutofit fontScale="92500"/>
-          </a:bodyPr>
-          <a:lstStyle/>
-          <a:p>
-            <a:r>
-              <a:rPr lang="en-US" dirty="0"/>
-              <a:t>Learning rate too high? The algorithm might overshoot the optimal point.</a:t>
-            </a:r>
-          </a:p>
-          <a:p>
-            <a:r>
-              <a:rPr lang="en-US" dirty="0"/>
-              <a:t>Learning rate too low? Could take too long to converge. Or never converge.</a:t>
-            </a:r>
-          </a:p>
-          <a:p>
-            <a:r>
-              <a:rPr lang="en-US" dirty="0"/>
-              <a:t>The </a:t>
-            </a:r>
-            <a:r>
-              <a:rPr lang="en-US" dirty="0" err="1"/>
-              <a:t>regularizer</a:t>
-            </a:r>
-            <a:r>
-              <a:rPr lang="en-US" dirty="0"/>
-              <a:t> controls the trade off between the achieving a low training error and a low testing error that is the ability to generalize your classifier to unseen data. As a </a:t>
-            </a:r>
-            <a:r>
-              <a:rPr lang="en-US" dirty="0" err="1"/>
-              <a:t>regulizing</a:t>
-            </a:r>
-            <a:r>
-              <a:rPr lang="en-US" dirty="0"/>
-              <a:t> parameter we choose 1/epochs, so this parameter will decrease, as the number of epochs increases.</a:t>
-            </a:r>
-          </a:p>
-          <a:p>
-            <a:r>
-              <a:rPr lang="en-US" dirty="0" err="1"/>
-              <a:t>Regularizer</a:t>
-            </a:r>
-            <a:r>
-              <a:rPr lang="en-US" dirty="0"/>
-              <a:t> too high? overfit (large testing error)</a:t>
-            </a:r>
-          </a:p>
-          <a:p>
-            <a:r>
-              <a:rPr lang="en-US" dirty="0" err="1"/>
-              <a:t>Regularizer</a:t>
-            </a:r>
-            <a:r>
-              <a:rPr lang="en-US" dirty="0"/>
-              <a:t> too low? underfit (large training error)</a:t>
-            </a:r>
-          </a:p>
-          <a:p>
-            <a:endParaRPr lang="en-US" dirty="0"/>
-          </a:p>
-        </p:txBody>
-      </p:sp>
-    </p:spTree>
-    <p:extLst>
-      <p:ext uri="{BB962C8B-B14F-4D97-AF65-F5344CB8AC3E}">
-        <p14:creationId xmlns:p14="http://schemas.microsoft.com/office/powerpoint/2010/main" val="2934009458"/>
-      </p:ext>
-    </p:extLst>
-  </p:cSld>
-  <p:clrMapOvr>
-    <a:masterClrMapping/>
-  </p:clrMapOvr>
-</p:sld>
-</file>
-
 <file path=ppt/slides/slide18.xml><?xml version="1.0" encoding="utf-8"?>
 <p:sld xmlns:a="http://schemas.openxmlformats.org/drawingml/2006/main" xmlns:r="http://schemas.openxmlformats.org/officeDocument/2006/relationships" xmlns:p="http://schemas.openxmlformats.org/presentationml/2006/main">
   <p:cSld>
@@ -8117,7 +8038,7 @@
           <p:cNvPr id="2" name="Title 1">
             <a:extLst>
               <a:ext uri="{FF2B5EF4-FFF2-40B4-BE49-F238E27FC236}">
-                <a16:creationId xmlns:a16="http://schemas.microsoft.com/office/drawing/2014/main" id="{78BAE8A2-B477-46CF-8E05-B8773A852E14}"/>
+                <a16:creationId xmlns:a16="http://schemas.microsoft.com/office/drawing/2014/main" id="{9810AF99-E731-48BB-BEA5-CF3104D3F37B}"/>
               </a:ext>
             </a:extLst>
           </p:cNvPr>
@@ -8143,10 +8064,10 @@
       </p:sp>
       <p:sp>
         <p:nvSpPr>
-          <p:cNvPr id="7" name="Content Placeholder 6">
-            <a:extLst>
-              <a:ext uri="{FF2B5EF4-FFF2-40B4-BE49-F238E27FC236}">
-                <a16:creationId xmlns:a16="http://schemas.microsoft.com/office/drawing/2014/main" id="{56C24AF4-7100-4B8A-9320-A20954594F17}"/>
+          <p:cNvPr id="3" name="Content Placeholder 2">
+            <a:extLst>
+              <a:ext uri="{FF2B5EF4-FFF2-40B4-BE49-F238E27FC236}">
+                <a16:creationId xmlns:a16="http://schemas.microsoft.com/office/drawing/2014/main" id="{2D2F669B-203A-4F89-A607-AD3AB1EE0A28}"/>
               </a:ext>
             </a:extLst>
           </p:cNvPr>
@@ -8164,51 +8085,68 @@
           <a:p>
             <a:r>
               <a:rPr lang="en-US" dirty="0"/>
-              <a:t>Update rule for our weights (correctly classified) :</a:t>
-            </a:r>
-          </a:p>
-        </p:txBody>
-      </p:sp>
-      <p:pic>
-        <p:nvPicPr>
-          <p:cNvPr id="9" name="Picture 8" descr="A close up of a stool&#10;&#10;Description generated with high confidence">
-            <a:extLst>
-              <a:ext uri="{FF2B5EF4-FFF2-40B4-BE49-F238E27FC236}">
-                <a16:creationId xmlns:a16="http://schemas.microsoft.com/office/drawing/2014/main" id="{57521900-C24F-41C2-8BA2-AF02466F42C8}"/>
-              </a:ext>
-            </a:extLst>
-          </p:cNvPr>
-          <p:cNvPicPr>
-            <a:picLocks noChangeAspect="1"/>
-          </p:cNvPicPr>
-          <p:nvPr/>
-        </p:nvPicPr>
-        <p:blipFill>
-          <a:blip r:embed="rId2">
-            <a:extLst>
-              <a:ext uri="{28A0092B-C50C-407E-A947-70E740481C1C}">
-                <a14:useLocalDpi xmlns:a14="http://schemas.microsoft.com/office/drawing/2010/main" val="0"/>
-              </a:ext>
-            </a:extLst>
-          </a:blip>
-          <a:stretch>
-            <a:fillRect/>
-          </a:stretch>
-        </p:blipFill>
-        <p:spPr>
-          <a:xfrm>
-            <a:off x="3706228" y="2702593"/>
-            <a:ext cx="4439154" cy="726407"/>
-          </a:xfrm>
-          <a:prstGeom prst="rect">
-            <a:avLst/>
-          </a:prstGeom>
-        </p:spPr>
-      </p:pic>
+              <a:t>Our objective of a SVM consists of two terms. The first term is a </a:t>
+            </a:r>
+            <a:r>
+              <a:rPr lang="en-US" dirty="0" err="1"/>
+              <a:t>regularizer</a:t>
+            </a:r>
+            <a:r>
+              <a:rPr lang="en-US" dirty="0"/>
+              <a:t>, the heart of the SVM, the second term the loss. The </a:t>
+            </a:r>
+            <a:r>
+              <a:rPr lang="en-US" dirty="0" err="1"/>
+              <a:t>regularizer</a:t>
+            </a:r>
+            <a:r>
+              <a:rPr lang="en-US" dirty="0"/>
+              <a:t> balances between margin maximization and loss. We want to find the decision surface that is maximally far away from any data points.</a:t>
+            </a:r>
+          </a:p>
+          <a:p>
+            <a:pPr marL="0" indent="0">
+              <a:buNone/>
+            </a:pPr>
+            <a:r>
+              <a:rPr lang="en-US" dirty="0"/>
+              <a:t>How do we minimize our loss/optimize for our objective (</a:t>
+            </a:r>
+            <a:r>
+              <a:rPr lang="en-US" dirty="0" err="1"/>
+              <a:t>i.e</a:t>
+            </a:r>
+            <a:r>
+              <a:rPr lang="en-US" dirty="0"/>
+              <a:t> learn)?</a:t>
+            </a:r>
+          </a:p>
+          <a:p>
+            <a:r>
+              <a:rPr lang="en-US" dirty="0"/>
+              <a:t>We have to derive our objective function to get the gradients! Gradient descent : As we have two terms, we will derive them </a:t>
+            </a:r>
+            <a:r>
+              <a:rPr lang="en-US" dirty="0" err="1"/>
+              <a:t>seperately</a:t>
+            </a:r>
+            <a:r>
+              <a:rPr lang="en-US" dirty="0"/>
+              <a:t> using the sum rule in differentiation.</a:t>
+            </a:r>
+          </a:p>
+          <a:p>
+            <a:pPr marL="0" indent="0">
+              <a:buNone/>
+            </a:pPr>
+            <a:endParaRPr lang="en-US" dirty="0"/>
+          </a:p>
+        </p:txBody>
+      </p:sp>
     </p:spTree>
     <p:extLst>
       <p:ext uri="{BB962C8B-B14F-4D97-AF65-F5344CB8AC3E}">
-        <p14:creationId xmlns:p14="http://schemas.microsoft.com/office/powerpoint/2010/main" val="1261834033"/>
+        <p14:creationId xmlns:p14="http://schemas.microsoft.com/office/powerpoint/2010/main" val="2251163788"/>
       </p:ext>
     </p:extLst>
   </p:cSld>
@@ -8240,7 +8178,7 @@
           <p:cNvPr id="2" name="Title 1">
             <a:extLst>
               <a:ext uri="{FF2B5EF4-FFF2-40B4-BE49-F238E27FC236}">
-                <a16:creationId xmlns:a16="http://schemas.microsoft.com/office/drawing/2014/main" id="{5FC67B3F-3048-4FFF-8364-7305D232979E}"/>
+                <a16:creationId xmlns:a16="http://schemas.microsoft.com/office/drawing/2014/main" id="{43E90961-DC1F-4A5C-9627-9EAF1AC86C7E}"/>
               </a:ext>
             </a:extLst>
           </p:cNvPr>
@@ -8251,25 +8189,31 @@
             <p:ph type="title"/>
           </p:nvPr>
         </p:nvSpPr>
-        <p:spPr/>
+        <p:spPr>
+          <a:xfrm>
+            <a:off x="838200" y="365125"/>
+            <a:ext cx="10515600" cy="1325563"/>
+          </a:xfrm>
+        </p:spPr>
         <p:txBody>
           <a:bodyPr/>
           <a:lstStyle/>
           <a:p>
             <a:pPr algn="ctr"/>
             <a:r>
-              <a:rPr lang="en-US" dirty="0"/>
-              <a:t>SVM Formulation</a:t>
-            </a:r>
-          </a:p>
-        </p:txBody>
-      </p:sp>
-      <p:sp>
-        <p:nvSpPr>
-          <p:cNvPr id="3" name="Content Placeholder 2">
-            <a:extLst>
-              <a:ext uri="{FF2B5EF4-FFF2-40B4-BE49-F238E27FC236}">
-                <a16:creationId xmlns:a16="http://schemas.microsoft.com/office/drawing/2014/main" id="{89513235-9D64-4504-BBC6-91BE9B536873}"/>
+              <a:rPr lang="en-US"/>
+              <a:t>Math of SVM</a:t>
+            </a:r>
+            <a:endParaRPr lang="en-US" dirty="0"/>
+          </a:p>
+        </p:txBody>
+      </p:sp>
+      <p:sp>
+        <p:nvSpPr>
+          <p:cNvPr id="7" name="Content Placeholder 6">
+            <a:extLst>
+              <a:ext uri="{FF2B5EF4-FFF2-40B4-BE49-F238E27FC236}">
+                <a16:creationId xmlns:a16="http://schemas.microsoft.com/office/drawing/2014/main" id="{3E908F72-3991-43FD-8108-454ED0A7A91F}"/>
               </a:ext>
             </a:extLst>
           </p:cNvPr>
@@ -8285,54 +8229,79 @@
           <a:bodyPr/>
           <a:lstStyle/>
           <a:p>
-            <a:pPr marL="0" indent="0" fontAlgn="base">
-              <a:buNone/>
-            </a:pPr>
-            <a:r>
-              <a:rPr lang="en-US" b="1" dirty="0"/>
-              <a:t>Linear Kernel SVM</a:t>
-            </a:r>
-          </a:p>
-          <a:p>
-            <a:pPr fontAlgn="base"/>
+            <a:endParaRPr lang="en-US" dirty="0"/>
+          </a:p>
+          <a:p>
+            <a:endParaRPr lang="en-US" dirty="0"/>
+          </a:p>
+          <a:p>
+            <a:endParaRPr lang="en-US" dirty="0"/>
+          </a:p>
+          <a:p>
+            <a:endParaRPr lang="en-US" dirty="0"/>
+          </a:p>
+          <a:p>
+            <a:endParaRPr lang="en-US" dirty="0"/>
+          </a:p>
+          <a:p>
+            <a:endParaRPr lang="en-US" dirty="0"/>
+          </a:p>
+          <a:p>
             <a:r>
               <a:rPr lang="en-US" dirty="0"/>
-              <a:t>The dot-product is called the kernel and can be re-written as:</a:t>
-            </a:r>
-          </a:p>
-          <a:p>
-            <a:pPr marL="0" indent="0" fontAlgn="base">
-              <a:buNone/>
-            </a:pPr>
+              <a:t>This means, if we have a misclassified sample, we update the weight vector w using the gradients of both terms, else if classified correctly, we just update w by the gradient of the </a:t>
+            </a:r>
+            <a:r>
+              <a:rPr lang="en-US" dirty="0" err="1"/>
+              <a:t>regularizer</a:t>
+            </a:r>
             <a:r>
               <a:rPr lang="en-US" dirty="0"/>
-              <a:t>				</a:t>
-            </a:r>
-            <a:r>
-              <a:rPr lang="en-US" dirty="0">
-                <a:solidFill>
-                  <a:srgbClr val="FF0000"/>
-                </a:solidFill>
-              </a:rPr>
-              <a:t>K(x, xi) = sum(x * xi)</a:t>
-            </a:r>
-          </a:p>
-          <a:p>
-            <a:pPr fontAlgn="base"/>
-            <a:r>
-              <a:rPr lang="en-US" dirty="0"/>
-              <a:t>The kernel defines the similarity or a distance measure between new data and the support vectors. The dot product is the similarity measure used for linear SVM or a linear kernel because the distance is a linear combination of the inputs.</a:t>
-            </a:r>
-          </a:p>
-          <a:p>
-            <a:endParaRPr lang="en-US" dirty="0"/>
-          </a:p>
-        </p:txBody>
-      </p:sp>
+              <a:t>.</a:t>
+            </a:r>
+          </a:p>
+        </p:txBody>
+      </p:sp>
+      <p:pic>
+        <p:nvPicPr>
+          <p:cNvPr id="9" name="Picture 8" descr="A picture containing object&#10;&#10;Description generated with high confidence">
+            <a:extLst>
+              <a:ext uri="{FF2B5EF4-FFF2-40B4-BE49-F238E27FC236}">
+                <a16:creationId xmlns:a16="http://schemas.microsoft.com/office/drawing/2014/main" id="{40C049E8-7823-45E3-B791-9C85B6CFA1A6}"/>
+              </a:ext>
+            </a:extLst>
+          </p:cNvPr>
+          <p:cNvPicPr>
+            <a:picLocks noChangeAspect="1"/>
+          </p:cNvPicPr>
+          <p:nvPr/>
+        </p:nvPicPr>
+        <p:blipFill>
+          <a:blip r:embed="rId2">
+            <a:extLst>
+              <a:ext uri="{28A0092B-C50C-407E-A947-70E740481C1C}">
+                <a14:useLocalDpi xmlns:a14="http://schemas.microsoft.com/office/drawing/2010/main" val="0"/>
+              </a:ext>
+            </a:extLst>
+          </a:blip>
+          <a:stretch>
+            <a:fillRect/>
+          </a:stretch>
+        </p:blipFill>
+        <p:spPr>
+          <a:xfrm>
+            <a:off x="764606" y="1690687"/>
+            <a:ext cx="10338476" cy="2785059"/>
+          </a:xfrm>
+          <a:prstGeom prst="rect">
+            <a:avLst/>
+          </a:prstGeom>
+        </p:spPr>
+      </p:pic>
     </p:spTree>
     <p:extLst>
       <p:ext uri="{BB962C8B-B14F-4D97-AF65-F5344CB8AC3E}">
-        <p14:creationId xmlns:p14="http://schemas.microsoft.com/office/powerpoint/2010/main" val="2306690270"/>
+        <p14:creationId xmlns:p14="http://schemas.microsoft.com/office/powerpoint/2010/main" val="2900206964"/>
       </p:ext>
     </p:extLst>
   </p:cSld>
@@ -8469,7 +8438,7 @@
           <p:cNvPr id="2" name="Title 1">
             <a:extLst>
               <a:ext uri="{FF2B5EF4-FFF2-40B4-BE49-F238E27FC236}">
-                <a16:creationId xmlns:a16="http://schemas.microsoft.com/office/drawing/2014/main" id="{29704828-8DFD-424D-9166-A94CA302C0A5}"/>
+                <a16:creationId xmlns:a16="http://schemas.microsoft.com/office/drawing/2014/main" id="{C7D57059-E209-4DBC-88E4-EDDF60257A9A}"/>
               </a:ext>
             </a:extLst>
           </p:cNvPr>
@@ -8488,7 +8457,7 @@
             <a:pPr algn="ctr"/>
             <a:r>
               <a:rPr lang="en-US" dirty="0"/>
-              <a:t>SVM Formulation</a:t>
+              <a:t>Math of SVM</a:t>
             </a:r>
           </a:p>
         </p:txBody>
@@ -8498,7 +8467,7 @@
           <p:cNvPr id="3" name="Content Placeholder 2">
             <a:extLst>
               <a:ext uri="{FF2B5EF4-FFF2-40B4-BE49-F238E27FC236}">
-                <a16:creationId xmlns:a16="http://schemas.microsoft.com/office/drawing/2014/main" id="{8D93B986-2BF4-403C-A08E-DEBEE0A6E967}"/>
+                <a16:creationId xmlns:a16="http://schemas.microsoft.com/office/drawing/2014/main" id="{1C86871C-1F7A-40A4-96A9-C6B21ACD09B3}"/>
               </a:ext>
             </a:extLst>
           </p:cNvPr>
@@ -8511,57 +8480,135 @@
         </p:nvSpPr>
         <p:spPr/>
         <p:txBody>
-          <a:bodyPr/>
+          <a:bodyPr>
+            <a:normAutofit fontScale="92500" lnSpcReduction="10000"/>
+          </a:bodyPr>
           <a:lstStyle/>
           <a:p>
-            <a:pPr marL="0" indent="0" fontAlgn="base">
+            <a:r>
+              <a:rPr lang="en-US" dirty="0"/>
+              <a:t>Misclassification condition</a:t>
+            </a:r>
+          </a:p>
+          <a:p>
+            <a:pPr marL="0" indent="0">
               <a:buNone/>
             </a:pPr>
-            <a:r>
-              <a:rPr lang="en-US" b="1" dirty="0"/>
-              <a:t>Polynomial Kernel SVM</a:t>
-            </a:r>
-          </a:p>
-          <a:p>
-            <a:pPr fontAlgn="base"/>
+            <a:endParaRPr lang="en-US" dirty="0"/>
+          </a:p>
+          <a:p>
+            <a:endParaRPr lang="en-US" dirty="0"/>
+          </a:p>
+          <a:p>
             <a:r>
               <a:rPr lang="en-US" dirty="0"/>
-              <a:t>Instead of the dot-product, we can use a polynomial kernel, for example:</a:t>
-            </a:r>
-          </a:p>
-          <a:p>
-            <a:pPr marL="0" indent="0" fontAlgn="base">
+              <a:t>Update rule for our weights (misclassified)</a:t>
+            </a:r>
+          </a:p>
+          <a:p>
+            <a:endParaRPr lang="en-US" dirty="0"/>
+          </a:p>
+          <a:p>
+            <a:endParaRPr lang="en-US" dirty="0"/>
+          </a:p>
+          <a:p>
+            <a:endParaRPr lang="en-US" dirty="0"/>
+          </a:p>
+          <a:p>
+            <a:pPr marL="0" indent="0">
               <a:buNone/>
             </a:pPr>
             <a:r>
               <a:rPr lang="en-US" dirty="0"/>
-              <a:t>				</a:t>
-            </a:r>
-            <a:r>
-              <a:rPr lang="en-US" dirty="0">
-                <a:solidFill>
-                  <a:srgbClr val="FF0000"/>
-                </a:solidFill>
-              </a:rPr>
-              <a:t>K(x, xi) = 1 + sum(x * xi)^d</a:t>
-            </a:r>
-          </a:p>
-          <a:p>
-            <a:pPr fontAlgn="base"/>
+              <a:t>including the learning rate η and the </a:t>
+            </a:r>
+            <a:r>
+              <a:rPr lang="en-US" dirty="0" err="1"/>
+              <a:t>regularizer</a:t>
+            </a:r>
             <a:r>
               <a:rPr lang="en-US" dirty="0"/>
-              <a:t>Where the degree of the polynomial must be specified by hand to the learning algorithm. When d=1 this is the same as the linear kernel. The polynomial kernel allows for curved lines in the input space.</a:t>
-            </a:r>
-          </a:p>
-          <a:p>
-            <a:endParaRPr lang="en-US" dirty="0"/>
-          </a:p>
-        </p:txBody>
-      </p:sp>
+              <a:t> λ The learning rate is the length of the steps the algorithm makes down the gradient on the error curve.</a:t>
+            </a:r>
+          </a:p>
+        </p:txBody>
+      </p:sp>
+      <p:pic>
+        <p:nvPicPr>
+          <p:cNvPr id="5" name="Picture 4" descr="A close up of a logo&#10;&#10;Description generated with very high confidence">
+            <a:extLst>
+              <a:ext uri="{FF2B5EF4-FFF2-40B4-BE49-F238E27FC236}">
+                <a16:creationId xmlns:a16="http://schemas.microsoft.com/office/drawing/2014/main" id="{DE959709-E6F0-406F-8D35-AF6C0A41938B}"/>
+              </a:ext>
+            </a:extLst>
+          </p:cNvPr>
+          <p:cNvPicPr>
+            <a:picLocks noChangeAspect="1"/>
+          </p:cNvPicPr>
+          <p:nvPr/>
+        </p:nvPicPr>
+        <p:blipFill>
+          <a:blip r:embed="rId2">
+            <a:extLst>
+              <a:ext uri="{28A0092B-C50C-407E-A947-70E740481C1C}">
+                <a14:useLocalDpi xmlns:a14="http://schemas.microsoft.com/office/drawing/2010/main" val="0"/>
+              </a:ext>
+            </a:extLst>
+          </a:blip>
+          <a:stretch>
+            <a:fillRect/>
+          </a:stretch>
+        </p:blipFill>
+        <p:spPr>
+          <a:xfrm>
+            <a:off x="5195035" y="1925054"/>
+            <a:ext cx="3381074" cy="1163892"/>
+          </a:xfrm>
+          <a:prstGeom prst="rect">
+            <a:avLst/>
+          </a:prstGeom>
+        </p:spPr>
+      </p:pic>
+      <p:pic>
+        <p:nvPicPr>
+          <p:cNvPr id="7" name="Picture 6" descr="A picture containing object&#10;&#10;Description generated with very high confidence">
+            <a:extLst>
+              <a:ext uri="{FF2B5EF4-FFF2-40B4-BE49-F238E27FC236}">
+                <a16:creationId xmlns:a16="http://schemas.microsoft.com/office/drawing/2014/main" id="{924D3FBE-CCA7-45C8-A4E7-F5454AECD5B4}"/>
+              </a:ext>
+            </a:extLst>
+          </p:cNvPr>
+          <p:cNvPicPr>
+            <a:picLocks noChangeAspect="1"/>
+          </p:cNvPicPr>
+          <p:nvPr/>
+        </p:nvPicPr>
+        <p:blipFill>
+          <a:blip r:embed="rId3">
+            <a:extLst>
+              <a:ext uri="{28A0092B-C50C-407E-A947-70E740481C1C}">
+                <a14:useLocalDpi xmlns:a14="http://schemas.microsoft.com/office/drawing/2010/main" val="0"/>
+              </a:ext>
+            </a:extLst>
+          </a:blip>
+          <a:stretch>
+            <a:fillRect/>
+          </a:stretch>
+        </p:blipFill>
+        <p:spPr>
+          <a:xfrm>
+            <a:off x="3467099" y="3735809"/>
+            <a:ext cx="5657649" cy="973359"/>
+          </a:xfrm>
+          <a:prstGeom prst="rect">
+            <a:avLst/>
+          </a:prstGeom>
+        </p:spPr>
+      </p:pic>
     </p:spTree>
     <p:extLst>
       <p:ext uri="{BB962C8B-B14F-4D97-AF65-F5344CB8AC3E}">
-        <p14:creationId xmlns:p14="http://schemas.microsoft.com/office/powerpoint/2010/main" val="2353982575"/>
+        <p14:creationId xmlns:p14="http://schemas.microsoft.com/office/powerpoint/2010/main" val="3134163161"/>
       </p:ext>
     </p:extLst>
   </p:cSld>
@@ -8593,6 +8640,517 @@
           <p:cNvPr id="2" name="Title 1">
             <a:extLst>
               <a:ext uri="{FF2B5EF4-FFF2-40B4-BE49-F238E27FC236}">
+                <a16:creationId xmlns:a16="http://schemas.microsoft.com/office/drawing/2014/main" id="{64BCB06D-27D8-443B-A57B-864DCB32EB83}"/>
+              </a:ext>
+            </a:extLst>
+          </p:cNvPr>
+          <p:cNvSpPr>
+            <a:spLocks noGrp="1"/>
+          </p:cNvSpPr>
+          <p:nvPr>
+            <p:ph type="title"/>
+          </p:nvPr>
+        </p:nvSpPr>
+        <p:spPr/>
+        <p:txBody>
+          <a:bodyPr/>
+          <a:lstStyle/>
+          <a:p>
+            <a:pPr algn="ctr"/>
+            <a:r>
+              <a:rPr lang="en-US" dirty="0"/>
+              <a:t>Math of SVM</a:t>
+            </a:r>
+          </a:p>
+        </p:txBody>
+      </p:sp>
+      <p:sp>
+        <p:nvSpPr>
+          <p:cNvPr id="3" name="Content Placeholder 2">
+            <a:extLst>
+              <a:ext uri="{FF2B5EF4-FFF2-40B4-BE49-F238E27FC236}">
+                <a16:creationId xmlns:a16="http://schemas.microsoft.com/office/drawing/2014/main" id="{46376DD8-A1A5-49F5-9643-5D23BDF64CFE}"/>
+              </a:ext>
+            </a:extLst>
+          </p:cNvPr>
+          <p:cNvSpPr>
+            <a:spLocks noGrp="1"/>
+          </p:cNvSpPr>
+          <p:nvPr>
+            <p:ph idx="1"/>
+          </p:nvPr>
+        </p:nvSpPr>
+        <p:spPr/>
+        <p:txBody>
+          <a:bodyPr>
+            <a:normAutofit fontScale="92500"/>
+          </a:bodyPr>
+          <a:lstStyle/>
+          <a:p>
+            <a:r>
+              <a:rPr lang="en-US" dirty="0"/>
+              <a:t>Learning rate too high? The algorithm might overshoot the optimal point.</a:t>
+            </a:r>
+          </a:p>
+          <a:p>
+            <a:r>
+              <a:rPr lang="en-US" dirty="0"/>
+              <a:t>Learning rate too low? Could take too long to converge. Or never converge.</a:t>
+            </a:r>
+          </a:p>
+          <a:p>
+            <a:r>
+              <a:rPr lang="en-US" dirty="0"/>
+              <a:t>The </a:t>
+            </a:r>
+            <a:r>
+              <a:rPr lang="en-US" dirty="0" err="1"/>
+              <a:t>regularizer</a:t>
+            </a:r>
+            <a:r>
+              <a:rPr lang="en-US" dirty="0"/>
+              <a:t> controls the trade off between the achieving a low training error and a low testing error that is the ability to generalize your classifier to unseen data. As a </a:t>
+            </a:r>
+            <a:r>
+              <a:rPr lang="en-US" dirty="0" err="1"/>
+              <a:t>regulizing</a:t>
+            </a:r>
+            <a:r>
+              <a:rPr lang="en-US" dirty="0"/>
+              <a:t> parameter we choose 1/epochs, so this parameter will decrease, as the number of epochs increases.</a:t>
+            </a:r>
+          </a:p>
+          <a:p>
+            <a:r>
+              <a:rPr lang="en-US" dirty="0" err="1"/>
+              <a:t>Regularizer</a:t>
+            </a:r>
+            <a:r>
+              <a:rPr lang="en-US" dirty="0"/>
+              <a:t> too high? overfit (large testing error)</a:t>
+            </a:r>
+          </a:p>
+          <a:p>
+            <a:r>
+              <a:rPr lang="en-US" dirty="0" err="1"/>
+              <a:t>Regularizer</a:t>
+            </a:r>
+            <a:r>
+              <a:rPr lang="en-US" dirty="0"/>
+              <a:t> too low? underfit (large training error)</a:t>
+            </a:r>
+          </a:p>
+          <a:p>
+            <a:endParaRPr lang="en-US" dirty="0"/>
+          </a:p>
+        </p:txBody>
+      </p:sp>
+    </p:spTree>
+    <p:extLst>
+      <p:ext uri="{BB962C8B-B14F-4D97-AF65-F5344CB8AC3E}">
+        <p14:creationId xmlns:p14="http://schemas.microsoft.com/office/powerpoint/2010/main" val="2934009458"/>
+      </p:ext>
+    </p:extLst>
+  </p:cSld>
+  <p:clrMapOvr>
+    <a:masterClrMapping/>
+  </p:clrMapOvr>
+</p:sld>
+</file>
+
+<file path=ppt/slides/slide22.xml><?xml version="1.0" encoding="utf-8"?>
+<p:sld xmlns:a="http://schemas.openxmlformats.org/drawingml/2006/main" xmlns:r="http://schemas.openxmlformats.org/officeDocument/2006/relationships" xmlns:p="http://schemas.openxmlformats.org/presentationml/2006/main">
+  <p:cSld>
+    <p:spTree>
+      <p:nvGrpSpPr>
+        <p:cNvPr id="1" name=""/>
+        <p:cNvGrpSpPr/>
+        <p:nvPr/>
+      </p:nvGrpSpPr>
+      <p:grpSpPr>
+        <a:xfrm>
+          <a:off x="0" y="0"/>
+          <a:ext cx="0" cy="0"/>
+          <a:chOff x="0" y="0"/>
+          <a:chExt cx="0" cy="0"/>
+        </a:xfrm>
+      </p:grpSpPr>
+      <p:sp>
+        <p:nvSpPr>
+          <p:cNvPr id="2" name="Title 1">
+            <a:extLst>
+              <a:ext uri="{FF2B5EF4-FFF2-40B4-BE49-F238E27FC236}">
+                <a16:creationId xmlns:a16="http://schemas.microsoft.com/office/drawing/2014/main" id="{78BAE8A2-B477-46CF-8E05-B8773A852E14}"/>
+              </a:ext>
+            </a:extLst>
+          </p:cNvPr>
+          <p:cNvSpPr>
+            <a:spLocks noGrp="1"/>
+          </p:cNvSpPr>
+          <p:nvPr>
+            <p:ph type="title"/>
+          </p:nvPr>
+        </p:nvSpPr>
+        <p:spPr/>
+        <p:txBody>
+          <a:bodyPr/>
+          <a:lstStyle/>
+          <a:p>
+            <a:pPr algn="ctr"/>
+            <a:r>
+              <a:rPr lang="en-US" dirty="0"/>
+              <a:t>Math of SVM</a:t>
+            </a:r>
+          </a:p>
+        </p:txBody>
+      </p:sp>
+      <p:sp>
+        <p:nvSpPr>
+          <p:cNvPr id="7" name="Content Placeholder 6">
+            <a:extLst>
+              <a:ext uri="{FF2B5EF4-FFF2-40B4-BE49-F238E27FC236}">
+                <a16:creationId xmlns:a16="http://schemas.microsoft.com/office/drawing/2014/main" id="{56C24AF4-7100-4B8A-9320-A20954594F17}"/>
+              </a:ext>
+            </a:extLst>
+          </p:cNvPr>
+          <p:cNvSpPr>
+            <a:spLocks noGrp="1"/>
+          </p:cNvSpPr>
+          <p:nvPr>
+            <p:ph idx="1"/>
+          </p:nvPr>
+        </p:nvSpPr>
+        <p:spPr/>
+        <p:txBody>
+          <a:bodyPr/>
+          <a:lstStyle/>
+          <a:p>
+            <a:r>
+              <a:rPr lang="en-US" dirty="0"/>
+              <a:t>Update rule for our weights (correctly classified) :</a:t>
+            </a:r>
+          </a:p>
+        </p:txBody>
+      </p:sp>
+      <p:pic>
+        <p:nvPicPr>
+          <p:cNvPr id="9" name="Picture 8" descr="A close up of a stool&#10;&#10;Description generated with high confidence">
+            <a:extLst>
+              <a:ext uri="{FF2B5EF4-FFF2-40B4-BE49-F238E27FC236}">
+                <a16:creationId xmlns:a16="http://schemas.microsoft.com/office/drawing/2014/main" id="{57521900-C24F-41C2-8BA2-AF02466F42C8}"/>
+              </a:ext>
+            </a:extLst>
+          </p:cNvPr>
+          <p:cNvPicPr>
+            <a:picLocks noChangeAspect="1"/>
+          </p:cNvPicPr>
+          <p:nvPr/>
+        </p:nvPicPr>
+        <p:blipFill>
+          <a:blip r:embed="rId2">
+            <a:extLst>
+              <a:ext uri="{28A0092B-C50C-407E-A947-70E740481C1C}">
+                <a14:useLocalDpi xmlns:a14="http://schemas.microsoft.com/office/drawing/2010/main" val="0"/>
+              </a:ext>
+            </a:extLst>
+          </a:blip>
+          <a:stretch>
+            <a:fillRect/>
+          </a:stretch>
+        </p:blipFill>
+        <p:spPr>
+          <a:xfrm>
+            <a:off x="3706228" y="2702593"/>
+            <a:ext cx="4439154" cy="726407"/>
+          </a:xfrm>
+          <a:prstGeom prst="rect">
+            <a:avLst/>
+          </a:prstGeom>
+        </p:spPr>
+      </p:pic>
+    </p:spTree>
+    <p:extLst>
+      <p:ext uri="{BB962C8B-B14F-4D97-AF65-F5344CB8AC3E}">
+        <p14:creationId xmlns:p14="http://schemas.microsoft.com/office/powerpoint/2010/main" val="1261834033"/>
+      </p:ext>
+    </p:extLst>
+  </p:cSld>
+  <p:clrMapOvr>
+    <a:masterClrMapping/>
+  </p:clrMapOvr>
+</p:sld>
+</file>
+
+<file path=ppt/slides/slide23.xml><?xml version="1.0" encoding="utf-8"?>
+<p:sld xmlns:a="http://schemas.openxmlformats.org/drawingml/2006/main" xmlns:r="http://schemas.openxmlformats.org/officeDocument/2006/relationships" xmlns:p="http://schemas.openxmlformats.org/presentationml/2006/main">
+  <p:cSld>
+    <p:spTree>
+      <p:nvGrpSpPr>
+        <p:cNvPr id="1" name=""/>
+        <p:cNvGrpSpPr/>
+        <p:nvPr/>
+      </p:nvGrpSpPr>
+      <p:grpSpPr>
+        <a:xfrm>
+          <a:off x="0" y="0"/>
+          <a:ext cx="0" cy="0"/>
+          <a:chOff x="0" y="0"/>
+          <a:chExt cx="0" cy="0"/>
+        </a:xfrm>
+      </p:grpSpPr>
+      <p:sp>
+        <p:nvSpPr>
+          <p:cNvPr id="2" name="Title 1">
+            <a:extLst>
+              <a:ext uri="{FF2B5EF4-FFF2-40B4-BE49-F238E27FC236}">
+                <a16:creationId xmlns:a16="http://schemas.microsoft.com/office/drawing/2014/main" id="{5FC67B3F-3048-4FFF-8364-7305D232979E}"/>
+              </a:ext>
+            </a:extLst>
+          </p:cNvPr>
+          <p:cNvSpPr>
+            <a:spLocks noGrp="1"/>
+          </p:cNvSpPr>
+          <p:nvPr>
+            <p:ph type="title"/>
+          </p:nvPr>
+        </p:nvSpPr>
+        <p:spPr/>
+        <p:txBody>
+          <a:bodyPr/>
+          <a:lstStyle/>
+          <a:p>
+            <a:pPr algn="ctr"/>
+            <a:r>
+              <a:rPr lang="en-US" dirty="0"/>
+              <a:t>SVM Formulation</a:t>
+            </a:r>
+          </a:p>
+        </p:txBody>
+      </p:sp>
+      <p:sp>
+        <p:nvSpPr>
+          <p:cNvPr id="3" name="Content Placeholder 2">
+            <a:extLst>
+              <a:ext uri="{FF2B5EF4-FFF2-40B4-BE49-F238E27FC236}">
+                <a16:creationId xmlns:a16="http://schemas.microsoft.com/office/drawing/2014/main" id="{89513235-9D64-4504-BBC6-91BE9B536873}"/>
+              </a:ext>
+            </a:extLst>
+          </p:cNvPr>
+          <p:cNvSpPr>
+            <a:spLocks noGrp="1"/>
+          </p:cNvSpPr>
+          <p:nvPr>
+            <p:ph idx="1"/>
+          </p:nvPr>
+        </p:nvSpPr>
+        <p:spPr/>
+        <p:txBody>
+          <a:bodyPr/>
+          <a:lstStyle/>
+          <a:p>
+            <a:pPr marL="0" indent="0" fontAlgn="base">
+              <a:buNone/>
+            </a:pPr>
+            <a:r>
+              <a:rPr lang="en-US" b="1" dirty="0"/>
+              <a:t>Linear Kernel SVM</a:t>
+            </a:r>
+          </a:p>
+          <a:p>
+            <a:pPr fontAlgn="base"/>
+            <a:r>
+              <a:rPr lang="en-US" dirty="0"/>
+              <a:t>The dot-product is called the kernel and can be re-written as:</a:t>
+            </a:r>
+          </a:p>
+          <a:p>
+            <a:pPr marL="0" indent="0" fontAlgn="base">
+              <a:buNone/>
+            </a:pPr>
+            <a:r>
+              <a:rPr lang="en-US" dirty="0"/>
+              <a:t>				</a:t>
+            </a:r>
+            <a:r>
+              <a:rPr lang="en-US" dirty="0">
+                <a:solidFill>
+                  <a:srgbClr val="FF0000"/>
+                </a:solidFill>
+              </a:rPr>
+              <a:t>K(x, xi) = sum(x * xi)</a:t>
+            </a:r>
+          </a:p>
+          <a:p>
+            <a:pPr fontAlgn="base"/>
+            <a:r>
+              <a:rPr lang="en-US" dirty="0"/>
+              <a:t>The kernel defines the similarity or a distance measure between new data and the support vectors. The dot product is the similarity measure used for linear SVM or a linear kernel because the distance is a linear combination of the inputs.</a:t>
+            </a:r>
+          </a:p>
+          <a:p>
+            <a:endParaRPr lang="en-US" dirty="0"/>
+          </a:p>
+        </p:txBody>
+      </p:sp>
+    </p:spTree>
+    <p:extLst>
+      <p:ext uri="{BB962C8B-B14F-4D97-AF65-F5344CB8AC3E}">
+        <p14:creationId xmlns:p14="http://schemas.microsoft.com/office/powerpoint/2010/main" val="2306690270"/>
+      </p:ext>
+    </p:extLst>
+  </p:cSld>
+  <p:clrMapOvr>
+    <a:masterClrMapping/>
+  </p:clrMapOvr>
+</p:sld>
+</file>
+
+<file path=ppt/slides/slide24.xml><?xml version="1.0" encoding="utf-8"?>
+<p:sld xmlns:a="http://schemas.openxmlformats.org/drawingml/2006/main" xmlns:r="http://schemas.openxmlformats.org/officeDocument/2006/relationships" xmlns:p="http://schemas.openxmlformats.org/presentationml/2006/main">
+  <p:cSld>
+    <p:spTree>
+      <p:nvGrpSpPr>
+        <p:cNvPr id="1" name=""/>
+        <p:cNvGrpSpPr/>
+        <p:nvPr/>
+      </p:nvGrpSpPr>
+      <p:grpSpPr>
+        <a:xfrm>
+          <a:off x="0" y="0"/>
+          <a:ext cx="0" cy="0"/>
+          <a:chOff x="0" y="0"/>
+          <a:chExt cx="0" cy="0"/>
+        </a:xfrm>
+      </p:grpSpPr>
+      <p:sp>
+        <p:nvSpPr>
+          <p:cNvPr id="2" name="Title 1">
+            <a:extLst>
+              <a:ext uri="{FF2B5EF4-FFF2-40B4-BE49-F238E27FC236}">
+                <a16:creationId xmlns:a16="http://schemas.microsoft.com/office/drawing/2014/main" id="{29704828-8DFD-424D-9166-A94CA302C0A5}"/>
+              </a:ext>
+            </a:extLst>
+          </p:cNvPr>
+          <p:cNvSpPr>
+            <a:spLocks noGrp="1"/>
+          </p:cNvSpPr>
+          <p:nvPr>
+            <p:ph type="title"/>
+          </p:nvPr>
+        </p:nvSpPr>
+        <p:spPr/>
+        <p:txBody>
+          <a:bodyPr/>
+          <a:lstStyle/>
+          <a:p>
+            <a:pPr algn="ctr"/>
+            <a:r>
+              <a:rPr lang="en-US" dirty="0"/>
+              <a:t>SVM Formulation</a:t>
+            </a:r>
+          </a:p>
+        </p:txBody>
+      </p:sp>
+      <p:sp>
+        <p:nvSpPr>
+          <p:cNvPr id="3" name="Content Placeholder 2">
+            <a:extLst>
+              <a:ext uri="{FF2B5EF4-FFF2-40B4-BE49-F238E27FC236}">
+                <a16:creationId xmlns:a16="http://schemas.microsoft.com/office/drawing/2014/main" id="{8D93B986-2BF4-403C-A08E-DEBEE0A6E967}"/>
+              </a:ext>
+            </a:extLst>
+          </p:cNvPr>
+          <p:cNvSpPr>
+            <a:spLocks noGrp="1"/>
+          </p:cNvSpPr>
+          <p:nvPr>
+            <p:ph idx="1"/>
+          </p:nvPr>
+        </p:nvSpPr>
+        <p:spPr/>
+        <p:txBody>
+          <a:bodyPr/>
+          <a:lstStyle/>
+          <a:p>
+            <a:pPr marL="0" indent="0" fontAlgn="base">
+              <a:buNone/>
+            </a:pPr>
+            <a:r>
+              <a:rPr lang="en-US" b="1" dirty="0"/>
+              <a:t>Polynomial Kernel SVM</a:t>
+            </a:r>
+          </a:p>
+          <a:p>
+            <a:pPr fontAlgn="base"/>
+            <a:r>
+              <a:rPr lang="en-US" dirty="0"/>
+              <a:t>Instead of the dot-product, we can use a polynomial kernel, for example:</a:t>
+            </a:r>
+          </a:p>
+          <a:p>
+            <a:pPr marL="0" indent="0" fontAlgn="base">
+              <a:buNone/>
+            </a:pPr>
+            <a:r>
+              <a:rPr lang="en-US" dirty="0"/>
+              <a:t>				</a:t>
+            </a:r>
+            <a:r>
+              <a:rPr lang="en-US" dirty="0">
+                <a:solidFill>
+                  <a:srgbClr val="FF0000"/>
+                </a:solidFill>
+              </a:rPr>
+              <a:t>K(x, xi) = 1 + sum(x * xi)^d</a:t>
+            </a:r>
+          </a:p>
+          <a:p>
+            <a:pPr fontAlgn="base"/>
+            <a:r>
+              <a:rPr lang="en-US" dirty="0"/>
+              <a:t>Where the degree of the polynomial must be specified by hand to the learning algorithm. When d=1 this is the same as the linear kernel. The polynomial kernel allows for curved lines in the input space.</a:t>
+            </a:r>
+          </a:p>
+          <a:p>
+            <a:endParaRPr lang="en-US" dirty="0"/>
+          </a:p>
+        </p:txBody>
+      </p:sp>
+    </p:spTree>
+    <p:extLst>
+      <p:ext uri="{BB962C8B-B14F-4D97-AF65-F5344CB8AC3E}">
+        <p14:creationId xmlns:p14="http://schemas.microsoft.com/office/powerpoint/2010/main" val="2353982575"/>
+      </p:ext>
+    </p:extLst>
+  </p:cSld>
+  <p:clrMapOvr>
+    <a:masterClrMapping/>
+  </p:clrMapOvr>
+</p:sld>
+</file>
+
+<file path=ppt/slides/slide25.xml><?xml version="1.0" encoding="utf-8"?>
+<p:sld xmlns:a="http://schemas.openxmlformats.org/drawingml/2006/main" xmlns:r="http://schemas.openxmlformats.org/officeDocument/2006/relationships" xmlns:p="http://schemas.openxmlformats.org/presentationml/2006/main">
+  <p:cSld>
+    <p:spTree>
+      <p:nvGrpSpPr>
+        <p:cNvPr id="1" name=""/>
+        <p:cNvGrpSpPr/>
+        <p:nvPr/>
+      </p:nvGrpSpPr>
+      <p:grpSpPr>
+        <a:xfrm>
+          <a:off x="0" y="0"/>
+          <a:ext cx="0" cy="0"/>
+          <a:chOff x="0" y="0"/>
+          <a:chExt cx="0" cy="0"/>
+        </a:xfrm>
+      </p:grpSpPr>
+      <p:sp>
+        <p:nvSpPr>
+          <p:cNvPr id="2" name="Title 1">
+            <a:extLst>
+              <a:ext uri="{FF2B5EF4-FFF2-40B4-BE49-F238E27FC236}">
                 <a16:creationId xmlns:a16="http://schemas.microsoft.com/office/drawing/2014/main" id="{4A92207A-68A1-4150-8648-195CDDA25973}"/>
               </a:ext>
             </a:extLst>
@@ -8727,7 +9285,7 @@
 </p:sld>
 </file>
 
-<file path=ppt/slides/slide22.xml><?xml version="1.0" encoding="utf-8"?>
+<file path=ppt/slides/slide26.xml><?xml version="1.0" encoding="utf-8"?>
 <p:sld xmlns:a="http://schemas.openxmlformats.org/drawingml/2006/main" xmlns:r="http://schemas.openxmlformats.org/officeDocument/2006/relationships" xmlns:p="http://schemas.openxmlformats.org/presentationml/2006/main">
   <p:cSld>
     <p:spTree>
